--- a/Offline/Marketing/Images&Resources/Logos.pptx
+++ b/Offline/Marketing/Images&Resources/Logos.pptx
@@ -154,7 +154,7 @@
           </a:lstStyle>
           <a:p>
             <a:r>
-              <a:rPr lang="en-US" smtClean="0"/>
+              <a:rPr lang="en-US"/>
               <a:t>Click to edit Master title style</a:t>
             </a:r>
             <a:endParaRPr lang="en-AU"/>
@@ -219,7 +219,7 @@
           </a:lstStyle>
           <a:p>
             <a:r>
-              <a:rPr lang="en-US" smtClean="0"/>
+              <a:rPr lang="en-US"/>
               <a:t>Click to edit Master subtitle style</a:t>
             </a:r>
             <a:endParaRPr lang="en-AU"/>
@@ -243,7 +243,7 @@
           <a:p>
             <a:fld id="{17627208-582F-4918-B86F-64AC116E7DCD}" type="datetimeFigureOut">
               <a:rPr lang="en-AU" smtClean="0"/>
-              <a:t>1/07/2023</a:t>
+              <a:t>8/08/2023</a:t>
             </a:fld>
             <a:endParaRPr lang="en-AU"/>
           </a:p>
@@ -337,7 +337,7 @@
           <a:lstStyle/>
           <a:p>
             <a:r>
-              <a:rPr lang="en-US" smtClean="0"/>
+              <a:rPr lang="en-US"/>
               <a:t>Click to edit Master title style</a:t>
             </a:r>
             <a:endParaRPr lang="en-AU"/>
@@ -361,35 +361,35 @@
           <a:p>
             <a:pPr lvl="0"/>
             <a:r>
-              <a:rPr lang="en-US" smtClean="0"/>
+              <a:rPr lang="en-US"/>
               <a:t>Click to edit Master text styles</a:t>
             </a:r>
           </a:p>
           <a:p>
             <a:pPr lvl="1"/>
             <a:r>
-              <a:rPr lang="en-US" smtClean="0"/>
+              <a:rPr lang="en-US"/>
               <a:t>Second level</a:t>
             </a:r>
           </a:p>
           <a:p>
             <a:pPr lvl="2"/>
             <a:r>
-              <a:rPr lang="en-US" smtClean="0"/>
+              <a:rPr lang="en-US"/>
               <a:t>Third level</a:t>
             </a:r>
           </a:p>
           <a:p>
             <a:pPr lvl="3"/>
             <a:r>
-              <a:rPr lang="en-US" smtClean="0"/>
+              <a:rPr lang="en-US"/>
               <a:t>Fourth level</a:t>
             </a:r>
           </a:p>
           <a:p>
             <a:pPr lvl="4"/>
             <a:r>
-              <a:rPr lang="en-US" smtClean="0"/>
+              <a:rPr lang="en-US"/>
               <a:t>Fifth level</a:t>
             </a:r>
             <a:endParaRPr lang="en-AU"/>
@@ -413,7 +413,7 @@
           <a:p>
             <a:fld id="{17627208-582F-4918-B86F-64AC116E7DCD}" type="datetimeFigureOut">
               <a:rPr lang="en-AU" smtClean="0"/>
-              <a:t>1/07/2023</a:t>
+              <a:t>8/08/2023</a:t>
             </a:fld>
             <a:endParaRPr lang="en-AU"/>
           </a:p>
@@ -512,7 +512,7 @@
           <a:lstStyle/>
           <a:p>
             <a:r>
-              <a:rPr lang="en-US" smtClean="0"/>
+              <a:rPr lang="en-US"/>
               <a:t>Click to edit Master title style</a:t>
             </a:r>
             <a:endParaRPr lang="en-AU"/>
@@ -541,35 +541,35 @@
           <a:p>
             <a:pPr lvl="0"/>
             <a:r>
-              <a:rPr lang="en-US" smtClean="0"/>
+              <a:rPr lang="en-US"/>
               <a:t>Click to edit Master text styles</a:t>
             </a:r>
           </a:p>
           <a:p>
             <a:pPr lvl="1"/>
             <a:r>
-              <a:rPr lang="en-US" smtClean="0"/>
+              <a:rPr lang="en-US"/>
               <a:t>Second level</a:t>
             </a:r>
           </a:p>
           <a:p>
             <a:pPr lvl="2"/>
             <a:r>
-              <a:rPr lang="en-US" smtClean="0"/>
+              <a:rPr lang="en-US"/>
               <a:t>Third level</a:t>
             </a:r>
           </a:p>
           <a:p>
             <a:pPr lvl="3"/>
             <a:r>
-              <a:rPr lang="en-US" smtClean="0"/>
+              <a:rPr lang="en-US"/>
               <a:t>Fourth level</a:t>
             </a:r>
           </a:p>
           <a:p>
             <a:pPr lvl="4"/>
             <a:r>
-              <a:rPr lang="en-US" smtClean="0"/>
+              <a:rPr lang="en-US"/>
               <a:t>Fifth level</a:t>
             </a:r>
             <a:endParaRPr lang="en-AU"/>
@@ -593,7 +593,7 @@
           <a:p>
             <a:fld id="{17627208-582F-4918-B86F-64AC116E7DCD}" type="datetimeFigureOut">
               <a:rPr lang="en-AU" smtClean="0"/>
-              <a:t>1/07/2023</a:t>
+              <a:t>8/08/2023</a:t>
             </a:fld>
             <a:endParaRPr lang="en-AU"/>
           </a:p>
@@ -687,7 +687,7 @@
           <a:lstStyle/>
           <a:p>
             <a:r>
-              <a:rPr lang="en-US" smtClean="0"/>
+              <a:rPr lang="en-US"/>
               <a:t>Click to edit Master title style</a:t>
             </a:r>
             <a:endParaRPr lang="en-AU"/>
@@ -711,35 +711,35 @@
           <a:p>
             <a:pPr lvl="0"/>
             <a:r>
-              <a:rPr lang="en-US" smtClean="0"/>
+              <a:rPr lang="en-US"/>
               <a:t>Click to edit Master text styles</a:t>
             </a:r>
           </a:p>
           <a:p>
             <a:pPr lvl="1"/>
             <a:r>
-              <a:rPr lang="en-US" smtClean="0"/>
+              <a:rPr lang="en-US"/>
               <a:t>Second level</a:t>
             </a:r>
           </a:p>
           <a:p>
             <a:pPr lvl="2"/>
             <a:r>
-              <a:rPr lang="en-US" smtClean="0"/>
+              <a:rPr lang="en-US"/>
               <a:t>Third level</a:t>
             </a:r>
           </a:p>
           <a:p>
             <a:pPr lvl="3"/>
             <a:r>
-              <a:rPr lang="en-US" smtClean="0"/>
+              <a:rPr lang="en-US"/>
               <a:t>Fourth level</a:t>
             </a:r>
           </a:p>
           <a:p>
             <a:pPr lvl="4"/>
             <a:r>
-              <a:rPr lang="en-US" smtClean="0"/>
+              <a:rPr lang="en-US"/>
               <a:t>Fifth level</a:t>
             </a:r>
             <a:endParaRPr lang="en-AU"/>
@@ -763,7 +763,7 @@
           <a:p>
             <a:fld id="{17627208-582F-4918-B86F-64AC116E7DCD}" type="datetimeFigureOut">
               <a:rPr lang="en-AU" smtClean="0"/>
-              <a:t>1/07/2023</a:t>
+              <a:t>8/08/2023</a:t>
             </a:fld>
             <a:endParaRPr lang="en-AU"/>
           </a:p>
@@ -866,7 +866,7 @@
           </a:lstStyle>
           <a:p>
             <a:r>
-              <a:rPr lang="en-US" smtClean="0"/>
+              <a:rPr lang="en-US"/>
               <a:t>Click to edit Master title style</a:t>
             </a:r>
             <a:endParaRPr lang="en-AU"/>
@@ -986,7 +986,7 @@
           <a:p>
             <a:pPr lvl="0"/>
             <a:r>
-              <a:rPr lang="en-US" smtClean="0"/>
+              <a:rPr lang="en-US"/>
               <a:t>Click to edit Master text styles</a:t>
             </a:r>
           </a:p>
@@ -1009,7 +1009,7 @@
           <a:p>
             <a:fld id="{17627208-582F-4918-B86F-64AC116E7DCD}" type="datetimeFigureOut">
               <a:rPr lang="en-AU" smtClean="0"/>
-              <a:t>1/07/2023</a:t>
+              <a:t>8/08/2023</a:t>
             </a:fld>
             <a:endParaRPr lang="en-AU"/>
           </a:p>
@@ -1103,7 +1103,7 @@
           <a:lstStyle/>
           <a:p>
             <a:r>
-              <a:rPr lang="en-US" smtClean="0"/>
+              <a:rPr lang="en-US"/>
               <a:t>Click to edit Master title style</a:t>
             </a:r>
             <a:endParaRPr lang="en-AU"/>
@@ -1132,35 +1132,35 @@
           <a:p>
             <a:pPr lvl="0"/>
             <a:r>
-              <a:rPr lang="en-US" smtClean="0"/>
+              <a:rPr lang="en-US"/>
               <a:t>Click to edit Master text styles</a:t>
             </a:r>
           </a:p>
           <a:p>
             <a:pPr lvl="1"/>
             <a:r>
-              <a:rPr lang="en-US" smtClean="0"/>
+              <a:rPr lang="en-US"/>
               <a:t>Second level</a:t>
             </a:r>
           </a:p>
           <a:p>
             <a:pPr lvl="2"/>
             <a:r>
-              <a:rPr lang="en-US" smtClean="0"/>
+              <a:rPr lang="en-US"/>
               <a:t>Third level</a:t>
             </a:r>
           </a:p>
           <a:p>
             <a:pPr lvl="3"/>
             <a:r>
-              <a:rPr lang="en-US" smtClean="0"/>
+              <a:rPr lang="en-US"/>
               <a:t>Fourth level</a:t>
             </a:r>
           </a:p>
           <a:p>
             <a:pPr lvl="4"/>
             <a:r>
-              <a:rPr lang="en-US" smtClean="0"/>
+              <a:rPr lang="en-US"/>
               <a:t>Fifth level</a:t>
             </a:r>
             <a:endParaRPr lang="en-AU"/>
@@ -1189,35 +1189,35 @@
           <a:p>
             <a:pPr lvl="0"/>
             <a:r>
-              <a:rPr lang="en-US" smtClean="0"/>
+              <a:rPr lang="en-US"/>
               <a:t>Click to edit Master text styles</a:t>
             </a:r>
           </a:p>
           <a:p>
             <a:pPr lvl="1"/>
             <a:r>
-              <a:rPr lang="en-US" smtClean="0"/>
+              <a:rPr lang="en-US"/>
               <a:t>Second level</a:t>
             </a:r>
           </a:p>
           <a:p>
             <a:pPr lvl="2"/>
             <a:r>
-              <a:rPr lang="en-US" smtClean="0"/>
+              <a:rPr lang="en-US"/>
               <a:t>Third level</a:t>
             </a:r>
           </a:p>
           <a:p>
             <a:pPr lvl="3"/>
             <a:r>
-              <a:rPr lang="en-US" smtClean="0"/>
+              <a:rPr lang="en-US"/>
               <a:t>Fourth level</a:t>
             </a:r>
           </a:p>
           <a:p>
             <a:pPr lvl="4"/>
             <a:r>
-              <a:rPr lang="en-US" smtClean="0"/>
+              <a:rPr lang="en-US"/>
               <a:t>Fifth level</a:t>
             </a:r>
             <a:endParaRPr lang="en-AU"/>
@@ -1241,7 +1241,7 @@
           <a:p>
             <a:fld id="{17627208-582F-4918-B86F-64AC116E7DCD}" type="datetimeFigureOut">
               <a:rPr lang="en-AU" smtClean="0"/>
-              <a:t>1/07/2023</a:t>
+              <a:t>8/08/2023</a:t>
             </a:fld>
             <a:endParaRPr lang="en-AU"/>
           </a:p>
@@ -1340,7 +1340,7 @@
           <a:lstStyle/>
           <a:p>
             <a:r>
-              <a:rPr lang="en-US" smtClean="0"/>
+              <a:rPr lang="en-US"/>
               <a:t>Click to edit Master title style</a:t>
             </a:r>
             <a:endParaRPr lang="en-AU"/>
@@ -1406,7 +1406,7 @@
           <a:p>
             <a:pPr lvl="0"/>
             <a:r>
-              <a:rPr lang="en-US" smtClean="0"/>
+              <a:rPr lang="en-US"/>
               <a:t>Click to edit Master text styles</a:t>
             </a:r>
           </a:p>
@@ -1434,35 +1434,35 @@
           <a:p>
             <a:pPr lvl="0"/>
             <a:r>
-              <a:rPr lang="en-US" smtClean="0"/>
+              <a:rPr lang="en-US"/>
               <a:t>Click to edit Master text styles</a:t>
             </a:r>
           </a:p>
           <a:p>
             <a:pPr lvl="1"/>
             <a:r>
-              <a:rPr lang="en-US" smtClean="0"/>
+              <a:rPr lang="en-US"/>
               <a:t>Second level</a:t>
             </a:r>
           </a:p>
           <a:p>
             <a:pPr lvl="2"/>
             <a:r>
-              <a:rPr lang="en-US" smtClean="0"/>
+              <a:rPr lang="en-US"/>
               <a:t>Third level</a:t>
             </a:r>
           </a:p>
           <a:p>
             <a:pPr lvl="3"/>
             <a:r>
-              <a:rPr lang="en-US" smtClean="0"/>
+              <a:rPr lang="en-US"/>
               <a:t>Fourth level</a:t>
             </a:r>
           </a:p>
           <a:p>
             <a:pPr lvl="4"/>
             <a:r>
-              <a:rPr lang="en-US" smtClean="0"/>
+              <a:rPr lang="en-US"/>
               <a:t>Fifth level</a:t>
             </a:r>
             <a:endParaRPr lang="en-AU"/>
@@ -1528,7 +1528,7 @@
           <a:p>
             <a:pPr lvl="0"/>
             <a:r>
-              <a:rPr lang="en-US" smtClean="0"/>
+              <a:rPr lang="en-US"/>
               <a:t>Click to edit Master text styles</a:t>
             </a:r>
           </a:p>
@@ -1556,35 +1556,35 @@
           <a:p>
             <a:pPr lvl="0"/>
             <a:r>
-              <a:rPr lang="en-US" smtClean="0"/>
+              <a:rPr lang="en-US"/>
               <a:t>Click to edit Master text styles</a:t>
             </a:r>
           </a:p>
           <a:p>
             <a:pPr lvl="1"/>
             <a:r>
-              <a:rPr lang="en-US" smtClean="0"/>
+              <a:rPr lang="en-US"/>
               <a:t>Second level</a:t>
             </a:r>
           </a:p>
           <a:p>
             <a:pPr lvl="2"/>
             <a:r>
-              <a:rPr lang="en-US" smtClean="0"/>
+              <a:rPr lang="en-US"/>
               <a:t>Third level</a:t>
             </a:r>
           </a:p>
           <a:p>
             <a:pPr lvl="3"/>
             <a:r>
-              <a:rPr lang="en-US" smtClean="0"/>
+              <a:rPr lang="en-US"/>
               <a:t>Fourth level</a:t>
             </a:r>
           </a:p>
           <a:p>
             <a:pPr lvl="4"/>
             <a:r>
-              <a:rPr lang="en-US" smtClean="0"/>
+              <a:rPr lang="en-US"/>
               <a:t>Fifth level</a:t>
             </a:r>
             <a:endParaRPr lang="en-AU"/>
@@ -1608,7 +1608,7 @@
           <a:p>
             <a:fld id="{17627208-582F-4918-B86F-64AC116E7DCD}" type="datetimeFigureOut">
               <a:rPr lang="en-AU" smtClean="0"/>
-              <a:t>1/07/2023</a:t>
+              <a:t>8/08/2023</a:t>
             </a:fld>
             <a:endParaRPr lang="en-AU"/>
           </a:p>
@@ -1702,7 +1702,7 @@
           <a:lstStyle/>
           <a:p>
             <a:r>
-              <a:rPr lang="en-US" smtClean="0"/>
+              <a:rPr lang="en-US"/>
               <a:t>Click to edit Master title style</a:t>
             </a:r>
             <a:endParaRPr lang="en-AU"/>
@@ -1726,7 +1726,7 @@
           <a:p>
             <a:fld id="{17627208-582F-4918-B86F-64AC116E7DCD}" type="datetimeFigureOut">
               <a:rPr lang="en-AU" smtClean="0"/>
-              <a:t>1/07/2023</a:t>
+              <a:t>8/08/2023</a:t>
             </a:fld>
             <a:endParaRPr lang="en-AU"/>
           </a:p>
@@ -1821,7 +1821,7 @@
           <a:p>
             <a:fld id="{17627208-582F-4918-B86F-64AC116E7DCD}" type="datetimeFigureOut">
               <a:rPr lang="en-AU" smtClean="0"/>
-              <a:t>1/07/2023</a:t>
+              <a:t>8/08/2023</a:t>
             </a:fld>
             <a:endParaRPr lang="en-AU"/>
           </a:p>
@@ -1924,7 +1924,7 @@
           </a:lstStyle>
           <a:p>
             <a:r>
-              <a:rPr lang="en-US" smtClean="0"/>
+              <a:rPr lang="en-US"/>
               <a:t>Click to edit Master title style</a:t>
             </a:r>
             <a:endParaRPr lang="en-AU"/>
@@ -1981,35 +1981,35 @@
           <a:p>
             <a:pPr lvl="0"/>
             <a:r>
-              <a:rPr lang="en-US" smtClean="0"/>
+              <a:rPr lang="en-US"/>
               <a:t>Click to edit Master text styles</a:t>
             </a:r>
           </a:p>
           <a:p>
             <a:pPr lvl="1"/>
             <a:r>
-              <a:rPr lang="en-US" smtClean="0"/>
+              <a:rPr lang="en-US"/>
               <a:t>Second level</a:t>
             </a:r>
           </a:p>
           <a:p>
             <a:pPr lvl="2"/>
             <a:r>
-              <a:rPr lang="en-US" smtClean="0"/>
+              <a:rPr lang="en-US"/>
               <a:t>Third level</a:t>
             </a:r>
           </a:p>
           <a:p>
             <a:pPr lvl="3"/>
             <a:r>
-              <a:rPr lang="en-US" smtClean="0"/>
+              <a:rPr lang="en-US"/>
               <a:t>Fourth level</a:t>
             </a:r>
           </a:p>
           <a:p>
             <a:pPr lvl="4"/>
             <a:r>
-              <a:rPr lang="en-US" smtClean="0"/>
+              <a:rPr lang="en-US"/>
               <a:t>Fifth level</a:t>
             </a:r>
             <a:endParaRPr lang="en-AU"/>
@@ -2075,7 +2075,7 @@
           <a:p>
             <a:pPr lvl="0"/>
             <a:r>
-              <a:rPr lang="en-US" smtClean="0"/>
+              <a:rPr lang="en-US"/>
               <a:t>Click to edit Master text styles</a:t>
             </a:r>
           </a:p>
@@ -2098,7 +2098,7 @@
           <a:p>
             <a:fld id="{17627208-582F-4918-B86F-64AC116E7DCD}" type="datetimeFigureOut">
               <a:rPr lang="en-AU" smtClean="0"/>
-              <a:t>1/07/2023</a:t>
+              <a:t>8/08/2023</a:t>
             </a:fld>
             <a:endParaRPr lang="en-AU"/>
           </a:p>
@@ -2201,7 +2201,7 @@
           </a:lstStyle>
           <a:p>
             <a:r>
-              <a:rPr lang="en-US" smtClean="0"/>
+              <a:rPr lang="en-US"/>
               <a:t>Click to edit Master title style</a:t>
             </a:r>
             <a:endParaRPr lang="en-AU"/>
@@ -2328,7 +2328,7 @@
           <a:p>
             <a:pPr lvl="0"/>
             <a:r>
-              <a:rPr lang="en-US" smtClean="0"/>
+              <a:rPr lang="en-US"/>
               <a:t>Click to edit Master text styles</a:t>
             </a:r>
           </a:p>
@@ -2351,7 +2351,7 @@
           <a:p>
             <a:fld id="{17627208-582F-4918-B86F-64AC116E7DCD}" type="datetimeFigureOut">
               <a:rPr lang="en-AU" smtClean="0"/>
-              <a:t>1/07/2023</a:t>
+              <a:t>8/08/2023</a:t>
             </a:fld>
             <a:endParaRPr lang="en-AU"/>
           </a:p>
@@ -2460,7 +2460,7 @@
           <a:lstStyle/>
           <a:p>
             <a:r>
-              <a:rPr lang="en-US" smtClean="0"/>
+              <a:rPr lang="en-US"/>
               <a:t>Click to edit Master title style</a:t>
             </a:r>
             <a:endParaRPr lang="en-AU"/>
@@ -2494,35 +2494,35 @@
           <a:p>
             <a:pPr lvl="0"/>
             <a:r>
-              <a:rPr lang="en-US" smtClean="0"/>
+              <a:rPr lang="en-US"/>
               <a:t>Click to edit Master text styles</a:t>
             </a:r>
           </a:p>
           <a:p>
             <a:pPr lvl="1"/>
             <a:r>
-              <a:rPr lang="en-US" smtClean="0"/>
+              <a:rPr lang="en-US"/>
               <a:t>Second level</a:t>
             </a:r>
           </a:p>
           <a:p>
             <a:pPr lvl="2"/>
             <a:r>
-              <a:rPr lang="en-US" smtClean="0"/>
+              <a:rPr lang="en-US"/>
               <a:t>Third level</a:t>
             </a:r>
           </a:p>
           <a:p>
             <a:pPr lvl="3"/>
             <a:r>
-              <a:rPr lang="en-US" smtClean="0"/>
+              <a:rPr lang="en-US"/>
               <a:t>Fourth level</a:t>
             </a:r>
           </a:p>
           <a:p>
             <a:pPr lvl="4"/>
             <a:r>
-              <a:rPr lang="en-US" smtClean="0"/>
+              <a:rPr lang="en-US"/>
               <a:t>Fifth level</a:t>
             </a:r>
             <a:endParaRPr lang="en-AU"/>
@@ -2564,7 +2564,7 @@
           <a:p>
             <a:fld id="{17627208-582F-4918-B86F-64AC116E7DCD}" type="datetimeFigureOut">
               <a:rPr lang="en-AU" smtClean="0"/>
-              <a:t>1/07/2023</a:t>
+              <a:t>8/08/2023</a:t>
             </a:fld>
             <a:endParaRPr lang="en-AU"/>
           </a:p>
@@ -2969,6 +2969,58 @@
           <a:chExt cx="0" cy="0"/>
         </a:xfrm>
       </p:grpSpPr>
+      <p:sp>
+        <p:nvSpPr>
+          <p:cNvPr id="10" name="Rectangle: Rounded Corners 9">
+            <a:extLst>
+              <a:ext uri="{FF2B5EF4-FFF2-40B4-BE49-F238E27FC236}">
+                <a16:creationId xmlns:a16="http://schemas.microsoft.com/office/drawing/2014/main" id="{B76AFA6F-064D-2ADB-6BAA-B8BD52A33DCB}"/>
+              </a:ext>
+            </a:extLst>
+          </p:cNvPr>
+          <p:cNvSpPr/>
+          <p:nvPr/>
+        </p:nvSpPr>
+        <p:spPr>
+          <a:xfrm>
+            <a:off x="7056987" y="3925241"/>
+            <a:ext cx="2570307" cy="2427627"/>
+          </a:xfrm>
+          <a:prstGeom prst="roundRect">
+            <a:avLst/>
+          </a:prstGeom>
+          <a:solidFill>
+            <a:srgbClr val="FF8C52"/>
+          </a:solidFill>
+          <a:ln>
+            <a:noFill/>
+          </a:ln>
+        </p:spPr>
+        <p:style>
+          <a:lnRef idx="2">
+            <a:schemeClr val="accent1">
+              <a:shade val="15000"/>
+            </a:schemeClr>
+          </a:lnRef>
+          <a:fillRef idx="1">
+            <a:schemeClr val="accent1"/>
+          </a:fillRef>
+          <a:effectRef idx="0">
+            <a:schemeClr val="accent1"/>
+          </a:effectRef>
+          <a:fontRef idx="minor">
+            <a:schemeClr val="lt1"/>
+          </a:fontRef>
+        </p:style>
+        <p:txBody>
+          <a:bodyPr rtlCol="0" anchor="ctr"/>
+          <a:lstStyle/>
+          <a:p>
+            <a:pPr algn="ctr"/>
+            <a:endParaRPr lang="en-US"/>
+          </a:p>
+        </p:txBody>
+      </p:sp>
       <p:sp>
         <p:nvSpPr>
           <p:cNvPr id="4" name="Freeform 3"/>
@@ -3867,7 +3919,7 @@
             <a:lstStyle/>
             <a:p>
               <a:r>
-                <a:rPr lang="en-US" sz="8000" b="1" dirty="0" smtClean="0">
+                <a:rPr lang="en-US" sz="8000" b="1" dirty="0">
                   <a:solidFill>
                     <a:schemeClr val="bg1"/>
                   </a:solidFill>
@@ -3907,7 +3959,7 @@
             <a:lstStyle/>
             <a:p>
               <a:r>
-                <a:rPr lang="en-US" sz="3100" b="1" i="1" dirty="0" smtClean="0">
+                <a:rPr lang="en-US" sz="3100" b="1" i="1" dirty="0">
                   <a:solidFill>
                     <a:schemeClr val="bg1"/>
                   </a:solidFill>
@@ -3947,7 +3999,7 @@
         </p:blipFill>
         <p:spPr>
           <a:xfrm>
-            <a:off x="3580000" y="4022379"/>
+            <a:off x="2859761" y="-194981"/>
             <a:ext cx="3505504" cy="1658256"/>
           </a:xfrm>
           <a:prstGeom prst="rect">
@@ -4306,6 +4358,415 @@
           </a:prstGeom>
         </p:spPr>
       </p:pic>
+      <p:sp>
+        <p:nvSpPr>
+          <p:cNvPr id="2" name="Freeform 3">
+            <a:extLst>
+              <a:ext uri="{FF2B5EF4-FFF2-40B4-BE49-F238E27FC236}">
+                <a16:creationId xmlns:a16="http://schemas.microsoft.com/office/drawing/2014/main" id="{A485A92A-2A37-98B3-012D-F057657A6F82}"/>
+              </a:ext>
+            </a:extLst>
+          </p:cNvPr>
+          <p:cNvSpPr/>
+          <p:nvPr/>
+        </p:nvSpPr>
+        <p:spPr>
+          <a:xfrm>
+            <a:off x="7695560" y="4492474"/>
+            <a:ext cx="1293159" cy="1293159"/>
+          </a:xfrm>
+          <a:custGeom>
+            <a:avLst/>
+            <a:gdLst>
+              <a:gd name="connsiteX0" fmla="*/ 1080000 w 2160000"/>
+              <a:gd name="connsiteY0" fmla="*/ 0 h 2160000"/>
+              <a:gd name="connsiteX1" fmla="*/ 2154424 w 2160000"/>
+              <a:gd name="connsiteY1" fmla="*/ 969576 h 2160000"/>
+              <a:gd name="connsiteX2" fmla="*/ 2157027 w 2160000"/>
+              <a:gd name="connsiteY2" fmla="*/ 1021127 h 2160000"/>
+              <a:gd name="connsiteX3" fmla="*/ 2159999 w 2160000"/>
+              <a:gd name="connsiteY3" fmla="*/ 1021127 h 2160000"/>
+              <a:gd name="connsiteX4" fmla="*/ 2159999 w 2160000"/>
+              <a:gd name="connsiteY4" fmla="*/ 1079980 h 2160000"/>
+              <a:gd name="connsiteX5" fmla="*/ 2160000 w 2160000"/>
+              <a:gd name="connsiteY5" fmla="*/ 1080000 h 2160000"/>
+              <a:gd name="connsiteX6" fmla="*/ 2159999 w 2160000"/>
+              <a:gd name="connsiteY6" fmla="*/ 1080021 h 2160000"/>
+              <a:gd name="connsiteX7" fmla="*/ 2159999 w 2160000"/>
+              <a:gd name="connsiteY7" fmla="*/ 1716639 h 2160000"/>
+              <a:gd name="connsiteX8" fmla="*/ 2157838 w 2160000"/>
+              <a:gd name="connsiteY8" fmla="*/ 1716639 h 2160000"/>
+              <a:gd name="connsiteX9" fmla="*/ 2160000 w 2160000"/>
+              <a:gd name="connsiteY9" fmla="*/ 1738544 h 2160000"/>
+              <a:gd name="connsiteX10" fmla="*/ 1891921 w 2160000"/>
+              <a:gd name="connsiteY10" fmla="*/ 2012333 h 2160000"/>
+              <a:gd name="connsiteX11" fmla="*/ 1623842 w 2160000"/>
+              <a:gd name="connsiteY11" fmla="*/ 1738544 h 2160000"/>
+              <a:gd name="connsiteX12" fmla="*/ 1626005 w 2160000"/>
+              <a:gd name="connsiteY12" fmla="*/ 1716639 h 2160000"/>
+              <a:gd name="connsiteX13" fmla="*/ 1620298 w 2160000"/>
+              <a:gd name="connsiteY13" fmla="*/ 1716639 h 2160000"/>
+              <a:gd name="connsiteX14" fmla="*/ 1620298 w 2160000"/>
+              <a:gd name="connsiteY14" fmla="*/ 1090950 h 2160000"/>
+              <a:gd name="connsiteX15" fmla="*/ 1618898 w 2160000"/>
+              <a:gd name="connsiteY15" fmla="*/ 1090937 h 2160000"/>
+              <a:gd name="connsiteX16" fmla="*/ 1620000 w 2160000"/>
+              <a:gd name="connsiteY16" fmla="*/ 1080000 h 2160000"/>
+              <a:gd name="connsiteX17" fmla="*/ 1080000 w 2160000"/>
+              <a:gd name="connsiteY17" fmla="*/ 540000 h 2160000"/>
+              <a:gd name="connsiteX18" fmla="*/ 540000 w 2160000"/>
+              <a:gd name="connsiteY18" fmla="*/ 1080000 h 2160000"/>
+              <a:gd name="connsiteX19" fmla="*/ 1080000 w 2160000"/>
+              <a:gd name="connsiteY19" fmla="*/ 1620000 h 2160000"/>
+              <a:gd name="connsiteX20" fmla="*/ 1172144 w 2160000"/>
+              <a:gd name="connsiteY20" fmla="*/ 1610711 h 2160000"/>
+              <a:gd name="connsiteX21" fmla="*/ 1192722 w 2160000"/>
+              <a:gd name="connsiteY21" fmla="*/ 1599542 h 2160000"/>
+              <a:gd name="connsiteX22" fmla="*/ 1205334 w 2160000"/>
+              <a:gd name="connsiteY22" fmla="*/ 1595627 h 2160000"/>
+              <a:gd name="connsiteX23" fmla="*/ 1218649 w 2160000"/>
+              <a:gd name="connsiteY23" fmla="*/ 1594482 h 2160000"/>
+              <a:gd name="connsiteX24" fmla="*/ 1273176 w 2160000"/>
+              <a:gd name="connsiteY24" fmla="*/ 1581875 h 2160000"/>
+              <a:gd name="connsiteX25" fmla="*/ 1277433 w 2160000"/>
+              <a:gd name="connsiteY25" fmla="*/ 1580379 h 2160000"/>
+              <a:gd name="connsiteX26" fmla="*/ 1297818 w 2160000"/>
+              <a:gd name="connsiteY26" fmla="*/ 1578324 h 2160000"/>
+              <a:gd name="connsiteX27" fmla="*/ 1567818 w 2160000"/>
+              <a:gd name="connsiteY27" fmla="*/ 1848324 h 2160000"/>
+              <a:gd name="connsiteX28" fmla="*/ 1469563 w 2160000"/>
+              <a:gd name="connsiteY28" fmla="*/ 2056669 h 2160000"/>
+              <a:gd name="connsiteX29" fmla="*/ 1412948 w 2160000"/>
+              <a:gd name="connsiteY29" fmla="*/ 2091019 h 2160000"/>
+              <a:gd name="connsiteX30" fmla="*/ 1398272 w 2160000"/>
+              <a:gd name="connsiteY30" fmla="*/ 2101498 h 2160000"/>
+              <a:gd name="connsiteX31" fmla="*/ 1374464 w 2160000"/>
+              <a:gd name="connsiteY31" fmla="*/ 2110955 h 2160000"/>
+              <a:gd name="connsiteX32" fmla="*/ 1376211 w 2160000"/>
+              <a:gd name="connsiteY32" fmla="*/ 2117860 h 2160000"/>
+              <a:gd name="connsiteX33" fmla="*/ 1321962 w 2160000"/>
+              <a:gd name="connsiteY33" fmla="*/ 2131809 h 2160000"/>
+              <a:gd name="connsiteX34" fmla="*/ 1306247 w 2160000"/>
+              <a:gd name="connsiteY34" fmla="*/ 2138051 h 2160000"/>
+              <a:gd name="connsiteX35" fmla="*/ 1267530 w 2160000"/>
+              <a:gd name="connsiteY35" fmla="*/ 2142656 h 2160000"/>
+              <a:gd name="connsiteX36" fmla="*/ 1190424 w 2160000"/>
+              <a:gd name="connsiteY36" fmla="*/ 2154424 h 2160000"/>
+              <a:gd name="connsiteX37" fmla="*/ 1080000 w 2160000"/>
+              <a:gd name="connsiteY37" fmla="*/ 2160000 h 2160000"/>
+              <a:gd name="connsiteX38" fmla="*/ 0 w 2160000"/>
+              <a:gd name="connsiteY38" fmla="*/ 1080000 h 2160000"/>
+              <a:gd name="connsiteX39" fmla="*/ 1080000 w 2160000"/>
+              <a:gd name="connsiteY39" fmla="*/ 0 h 2160000"/>
+            </a:gdLst>
+            <a:ahLst/>
+            <a:cxnLst>
+              <a:cxn ang="0">
+                <a:pos x="connsiteX0" y="connsiteY0"/>
+              </a:cxn>
+              <a:cxn ang="0">
+                <a:pos x="connsiteX1" y="connsiteY1"/>
+              </a:cxn>
+              <a:cxn ang="0">
+                <a:pos x="connsiteX2" y="connsiteY2"/>
+              </a:cxn>
+              <a:cxn ang="0">
+                <a:pos x="connsiteX3" y="connsiteY3"/>
+              </a:cxn>
+              <a:cxn ang="0">
+                <a:pos x="connsiteX4" y="connsiteY4"/>
+              </a:cxn>
+              <a:cxn ang="0">
+                <a:pos x="connsiteX5" y="connsiteY5"/>
+              </a:cxn>
+              <a:cxn ang="0">
+                <a:pos x="connsiteX6" y="connsiteY6"/>
+              </a:cxn>
+              <a:cxn ang="0">
+                <a:pos x="connsiteX7" y="connsiteY7"/>
+              </a:cxn>
+              <a:cxn ang="0">
+                <a:pos x="connsiteX8" y="connsiteY8"/>
+              </a:cxn>
+              <a:cxn ang="0">
+                <a:pos x="connsiteX9" y="connsiteY9"/>
+              </a:cxn>
+              <a:cxn ang="0">
+                <a:pos x="connsiteX10" y="connsiteY10"/>
+              </a:cxn>
+              <a:cxn ang="0">
+                <a:pos x="connsiteX11" y="connsiteY11"/>
+              </a:cxn>
+              <a:cxn ang="0">
+                <a:pos x="connsiteX12" y="connsiteY12"/>
+              </a:cxn>
+              <a:cxn ang="0">
+                <a:pos x="connsiteX13" y="connsiteY13"/>
+              </a:cxn>
+              <a:cxn ang="0">
+                <a:pos x="connsiteX14" y="connsiteY14"/>
+              </a:cxn>
+              <a:cxn ang="0">
+                <a:pos x="connsiteX15" y="connsiteY15"/>
+              </a:cxn>
+              <a:cxn ang="0">
+                <a:pos x="connsiteX16" y="connsiteY16"/>
+              </a:cxn>
+              <a:cxn ang="0">
+                <a:pos x="connsiteX17" y="connsiteY17"/>
+              </a:cxn>
+              <a:cxn ang="0">
+                <a:pos x="connsiteX18" y="connsiteY18"/>
+              </a:cxn>
+              <a:cxn ang="0">
+                <a:pos x="connsiteX19" y="connsiteY19"/>
+              </a:cxn>
+              <a:cxn ang="0">
+                <a:pos x="connsiteX20" y="connsiteY20"/>
+              </a:cxn>
+              <a:cxn ang="0">
+                <a:pos x="connsiteX21" y="connsiteY21"/>
+              </a:cxn>
+              <a:cxn ang="0">
+                <a:pos x="connsiteX22" y="connsiteY22"/>
+              </a:cxn>
+              <a:cxn ang="0">
+                <a:pos x="connsiteX23" y="connsiteY23"/>
+              </a:cxn>
+              <a:cxn ang="0">
+                <a:pos x="connsiteX24" y="connsiteY24"/>
+              </a:cxn>
+              <a:cxn ang="0">
+                <a:pos x="connsiteX25" y="connsiteY25"/>
+              </a:cxn>
+              <a:cxn ang="0">
+                <a:pos x="connsiteX26" y="connsiteY26"/>
+              </a:cxn>
+              <a:cxn ang="0">
+                <a:pos x="connsiteX27" y="connsiteY27"/>
+              </a:cxn>
+              <a:cxn ang="0">
+                <a:pos x="connsiteX28" y="connsiteY28"/>
+              </a:cxn>
+              <a:cxn ang="0">
+                <a:pos x="connsiteX29" y="connsiteY29"/>
+              </a:cxn>
+              <a:cxn ang="0">
+                <a:pos x="connsiteX30" y="connsiteY30"/>
+              </a:cxn>
+              <a:cxn ang="0">
+                <a:pos x="connsiteX31" y="connsiteY31"/>
+              </a:cxn>
+              <a:cxn ang="0">
+                <a:pos x="connsiteX32" y="connsiteY32"/>
+              </a:cxn>
+              <a:cxn ang="0">
+                <a:pos x="connsiteX33" y="connsiteY33"/>
+              </a:cxn>
+              <a:cxn ang="0">
+                <a:pos x="connsiteX34" y="connsiteY34"/>
+              </a:cxn>
+              <a:cxn ang="0">
+                <a:pos x="connsiteX35" y="connsiteY35"/>
+              </a:cxn>
+              <a:cxn ang="0">
+                <a:pos x="connsiteX36" y="connsiteY36"/>
+              </a:cxn>
+              <a:cxn ang="0">
+                <a:pos x="connsiteX37" y="connsiteY37"/>
+              </a:cxn>
+              <a:cxn ang="0">
+                <a:pos x="connsiteX38" y="connsiteY38"/>
+              </a:cxn>
+              <a:cxn ang="0">
+                <a:pos x="connsiteX39" y="connsiteY39"/>
+              </a:cxn>
+            </a:cxnLst>
+            <a:rect l="l" t="t" r="r" b="b"/>
+            <a:pathLst>
+              <a:path w="2160000" h="2160000">
+                <a:moveTo>
+                  <a:pt x="1080000" y="0"/>
+                </a:moveTo>
+                <a:cubicBezTo>
+                  <a:pt x="1639189" y="0"/>
+                  <a:pt x="2099117" y="424979"/>
+                  <a:pt x="2154424" y="969576"/>
+                </a:cubicBezTo>
+                <a:lnTo>
+                  <a:pt x="2157027" y="1021127"/>
+                </a:lnTo>
+                <a:lnTo>
+                  <a:pt x="2159999" y="1021127"/>
+                </a:lnTo>
+                <a:lnTo>
+                  <a:pt x="2159999" y="1079980"/>
+                </a:lnTo>
+                <a:lnTo>
+                  <a:pt x="2160000" y="1080000"/>
+                </a:lnTo>
+                <a:lnTo>
+                  <a:pt x="2159999" y="1080021"/>
+                </a:lnTo>
+                <a:lnTo>
+                  <a:pt x="2159999" y="1716639"/>
+                </a:lnTo>
+                <a:lnTo>
+                  <a:pt x="2157838" y="1716639"/>
+                </a:lnTo>
+                <a:lnTo>
+                  <a:pt x="2160000" y="1738544"/>
+                </a:lnTo>
+                <a:cubicBezTo>
+                  <a:pt x="2160000" y="1889753"/>
+                  <a:pt x="2039977" y="2012333"/>
+                  <a:pt x="1891921" y="2012333"/>
+                </a:cubicBezTo>
+                <a:cubicBezTo>
+                  <a:pt x="1743865" y="2012333"/>
+                  <a:pt x="1623842" y="1889753"/>
+                  <a:pt x="1623842" y="1738544"/>
+                </a:cubicBezTo>
+                <a:lnTo>
+                  <a:pt x="1626005" y="1716639"/>
+                </a:lnTo>
+                <a:lnTo>
+                  <a:pt x="1620298" y="1716639"/>
+                </a:lnTo>
+                <a:lnTo>
+                  <a:pt x="1620298" y="1090950"/>
+                </a:lnTo>
+                <a:lnTo>
+                  <a:pt x="1618898" y="1090937"/>
+                </a:lnTo>
+                <a:lnTo>
+                  <a:pt x="1620000" y="1080000"/>
+                </a:lnTo>
+                <a:cubicBezTo>
+                  <a:pt x="1620000" y="781766"/>
+                  <a:pt x="1378234" y="540000"/>
+                  <a:pt x="1080000" y="540000"/>
+                </a:cubicBezTo>
+                <a:cubicBezTo>
+                  <a:pt x="781766" y="540000"/>
+                  <a:pt x="540000" y="781766"/>
+                  <a:pt x="540000" y="1080000"/>
+                </a:cubicBezTo>
+                <a:cubicBezTo>
+                  <a:pt x="540000" y="1378234"/>
+                  <a:pt x="781766" y="1620000"/>
+                  <a:pt x="1080000" y="1620000"/>
+                </a:cubicBezTo>
+                <a:lnTo>
+                  <a:pt x="1172144" y="1610711"/>
+                </a:lnTo>
+                <a:lnTo>
+                  <a:pt x="1192722" y="1599542"/>
+                </a:lnTo>
+                <a:lnTo>
+                  <a:pt x="1205334" y="1595627"/>
+                </a:lnTo>
+                <a:lnTo>
+                  <a:pt x="1218649" y="1594482"/>
+                </a:lnTo>
+                <a:cubicBezTo>
+                  <a:pt x="1237851" y="1591023"/>
+                  <a:pt x="1256099" y="1586790"/>
+                  <a:pt x="1273176" y="1581875"/>
+                </a:cubicBezTo>
+                <a:lnTo>
+                  <a:pt x="1277433" y="1580379"/>
+                </a:lnTo>
+                <a:lnTo>
+                  <a:pt x="1297818" y="1578324"/>
+                </a:lnTo>
+                <a:cubicBezTo>
+                  <a:pt x="1446935" y="1578324"/>
+                  <a:pt x="1567818" y="1699207"/>
+                  <a:pt x="1567818" y="1848324"/>
+                </a:cubicBezTo>
+                <a:cubicBezTo>
+                  <a:pt x="1567818" y="1932202"/>
+                  <a:pt x="1529570" y="2007147"/>
+                  <a:pt x="1469563" y="2056669"/>
+                </a:cubicBezTo>
+                <a:lnTo>
+                  <a:pt x="1412948" y="2091019"/>
+                </a:lnTo>
+                <a:lnTo>
+                  <a:pt x="1398272" y="2101498"/>
+                </a:lnTo>
+                <a:lnTo>
+                  <a:pt x="1374464" y="2110955"/>
+                </a:lnTo>
+                <a:lnTo>
+                  <a:pt x="1376211" y="2117860"/>
+                </a:lnTo>
+                <a:lnTo>
+                  <a:pt x="1321962" y="2131809"/>
+                </a:lnTo>
+                <a:lnTo>
+                  <a:pt x="1306247" y="2138051"/>
+                </a:lnTo>
+                <a:lnTo>
+                  <a:pt x="1267530" y="2142656"/>
+                </a:lnTo>
+                <a:lnTo>
+                  <a:pt x="1190424" y="2154424"/>
+                </a:lnTo>
+                <a:cubicBezTo>
+                  <a:pt x="1154118" y="2158111"/>
+                  <a:pt x="1117280" y="2160000"/>
+                  <a:pt x="1080000" y="2160000"/>
+                </a:cubicBezTo>
+                <a:cubicBezTo>
+                  <a:pt x="483532" y="2160000"/>
+                  <a:pt x="0" y="1676468"/>
+                  <a:pt x="0" y="1080000"/>
+                </a:cubicBezTo>
+                <a:cubicBezTo>
+                  <a:pt x="0" y="483532"/>
+                  <a:pt x="483532" y="0"/>
+                  <a:pt x="1080000" y="0"/>
+                </a:cubicBezTo>
+                <a:close/>
+              </a:path>
+            </a:pathLst>
+          </a:custGeom>
+          <a:solidFill>
+            <a:schemeClr val="bg1"/>
+          </a:solidFill>
+          <a:ln>
+            <a:noFill/>
+          </a:ln>
+        </p:spPr>
+        <p:style>
+          <a:lnRef idx="2">
+            <a:schemeClr val="accent1">
+              <a:shade val="50000"/>
+            </a:schemeClr>
+          </a:lnRef>
+          <a:fillRef idx="1">
+            <a:schemeClr val="accent1"/>
+          </a:fillRef>
+          <a:effectRef idx="0">
+            <a:schemeClr val="accent1"/>
+          </a:effectRef>
+          <a:fontRef idx="minor">
+            <a:schemeClr val="lt1"/>
+          </a:fontRef>
+        </p:style>
+        <p:txBody>
+          <a:bodyPr rtlCol="0" anchor="ctr"/>
+          <a:lstStyle/>
+          <a:p>
+            <a:pPr algn="ctr"/>
+            <a:endParaRPr lang="en-AU">
+              <a:latin typeface="Oxygen" panose="02000503000000000000" pitchFamily="2" charset="0"/>
+            </a:endParaRPr>
+          </a:p>
+        </p:txBody>
+      </p:sp>
     </p:spTree>
     <p:extLst>
       <p:ext uri="{BB962C8B-B14F-4D97-AF65-F5344CB8AC3E}">
